--- a/10_LoadCSVData.pptx
+++ b/10_LoadCSVData.pptx
@@ -225,7 +225,7 @@
             <a:fld id="{6837EDA8-41C8-4B24-A206-13C08A65A6D7}" type="datetimeFigureOut">
               <a:rPr lang="zh-TW" altLang="en-US" smtClean="0"/>
               <a:pPr/>
-              <a:t>2020/5/12</a:t>
+              <a:t>2020/5/13</a:t>
             </a:fld>
             <a:endParaRPr lang="zh-TW" altLang="en-US"/>
           </a:p>
@@ -678,7 +678,7 @@
             <a:fld id="{8B85509C-BD4F-47BF-9B1E-FC2E949B3621}" type="datetime1">
               <a:rPr lang="zh-TW" altLang="en-US" smtClean="0"/>
               <a:pPr/>
-              <a:t>2020/5/12</a:t>
+              <a:t>2020/5/13</a:t>
             </a:fld>
             <a:endParaRPr lang="zh-TW" altLang="en-US"/>
           </a:p>
@@ -851,7 +851,7 @@
             <a:fld id="{42251B24-F787-4C15-8A0F-7AEC20C70069}" type="datetime1">
               <a:rPr lang="zh-TW" altLang="en-US" smtClean="0"/>
               <a:pPr/>
-              <a:t>2020/5/12</a:t>
+              <a:t>2020/5/13</a:t>
             </a:fld>
             <a:endParaRPr lang="zh-TW" altLang="en-US"/>
           </a:p>
@@ -1026,7 +1026,7 @@
             <a:fld id="{9CA0D33C-CE2B-45F1-B8D4-FFD1F131F331}" type="datetime1">
               <a:rPr lang="zh-TW" altLang="en-US" smtClean="0"/>
               <a:pPr/>
-              <a:t>2020/5/12</a:t>
+              <a:t>2020/5/13</a:t>
             </a:fld>
             <a:endParaRPr lang="zh-TW" altLang="en-US"/>
           </a:p>
@@ -1191,7 +1191,7 @@
             <a:fld id="{50B99440-D9EF-40CC-9B52-F6428D9B2C76}" type="datetime1">
               <a:rPr lang="zh-TW" altLang="en-US" smtClean="0"/>
               <a:pPr/>
-              <a:t>2020/5/12</a:t>
+              <a:t>2020/5/13</a:t>
             </a:fld>
             <a:endParaRPr lang="zh-TW" altLang="en-US"/>
           </a:p>
@@ -1433,7 +1433,7 @@
             <a:fld id="{0871BF52-5C6C-4959-8E27-CECB68D39FE4}" type="datetime1">
               <a:rPr lang="zh-TW" altLang="en-US" smtClean="0"/>
               <a:pPr/>
-              <a:t>2020/5/12</a:t>
+              <a:t>2020/5/13</a:t>
             </a:fld>
             <a:endParaRPr lang="zh-TW" altLang="en-US"/>
           </a:p>
@@ -1715,7 +1715,7 @@
             <a:fld id="{DF863F05-2DD9-4EB1-A827-12FD992DE9DC}" type="datetime1">
               <a:rPr lang="zh-TW" altLang="en-US" smtClean="0"/>
               <a:pPr/>
-              <a:t>2020/5/12</a:t>
+              <a:t>2020/5/13</a:t>
             </a:fld>
             <a:endParaRPr lang="zh-TW" altLang="en-US"/>
           </a:p>
@@ -2131,7 +2131,7 @@
             <a:fld id="{6339AF51-4491-4873-A096-75DB6CE47516}" type="datetime1">
               <a:rPr lang="zh-TW" altLang="en-US" smtClean="0"/>
               <a:pPr/>
-              <a:t>2020/5/12</a:t>
+              <a:t>2020/5/13</a:t>
             </a:fld>
             <a:endParaRPr lang="zh-TW" altLang="en-US"/>
           </a:p>
@@ -2245,7 +2245,7 @@
             <a:fld id="{EE4AD9C8-8B9E-40FF-ABE2-858AC2057BBB}" type="datetime1">
               <a:rPr lang="zh-TW" altLang="en-US" smtClean="0"/>
               <a:pPr/>
-              <a:t>2020/5/12</a:t>
+              <a:t>2020/5/13</a:t>
             </a:fld>
             <a:endParaRPr lang="zh-TW" altLang="en-US"/>
           </a:p>
@@ -2337,7 +2337,7 @@
             <a:fld id="{B4784999-BBBE-4BE4-A8D0-877E7D1D66CC}" type="datetime1">
               <a:rPr lang="zh-TW" altLang="en-US" smtClean="0"/>
               <a:pPr/>
-              <a:t>2020/5/12</a:t>
+              <a:t>2020/5/13</a:t>
             </a:fld>
             <a:endParaRPr lang="zh-TW" altLang="en-US"/>
           </a:p>
@@ -2609,7 +2609,7 @@
             <a:fld id="{E88D17E6-02BD-4944-B9FE-7BFCCBF83D48}" type="datetime1">
               <a:rPr lang="zh-TW" altLang="en-US" smtClean="0"/>
               <a:pPr/>
-              <a:t>2020/5/12</a:t>
+              <a:t>2020/5/13</a:t>
             </a:fld>
             <a:endParaRPr lang="zh-TW" altLang="en-US"/>
           </a:p>
@@ -2858,7 +2858,7 @@
             <a:fld id="{3C13E23D-1FEF-4D78-A3A3-3D6F2BB31954}" type="datetime1">
               <a:rPr lang="zh-TW" altLang="en-US" smtClean="0"/>
               <a:pPr/>
-              <a:t>2020/5/12</a:t>
+              <a:t>2020/5/13</a:t>
             </a:fld>
             <a:endParaRPr lang="zh-TW" altLang="en-US"/>
           </a:p>
@@ -3066,7 +3066,7 @@
             <a:fld id="{06197F35-AD6F-4594-8B50-334492D2E7E8}" type="datetime1">
               <a:rPr lang="zh-TW" altLang="en-US" smtClean="0"/>
               <a:pPr/>
-              <a:t>2020/5/12</a:t>
+              <a:t>2020/5/13</a:t>
             </a:fld>
             <a:endParaRPr lang="zh-TW" altLang="en-US"/>
           </a:p>
@@ -3527,7 +3527,7 @@
             <a:fld id="{C389EDC9-19E3-47AC-9C57-C6A24DEA81AD}" type="datetime1">
               <a:rPr lang="zh-TW" altLang="en-US" smtClean="0"/>
               <a:pPr/>
-              <a:t>2020/5/12</a:t>
+              <a:t>2020/5/13</a:t>
             </a:fld>
             <a:endParaRPr lang="zh-TW" altLang="en-US"/>
           </a:p>
@@ -3923,7 +3923,7 @@
             <a:fld id="{A4F910E6-8D00-4BAF-8C48-9688E0B449D3}" type="datetime1">
               <a:rPr lang="zh-TW" altLang="en-US" smtClean="0"/>
               <a:pPr/>
-              <a:t>2020/5/12</a:t>
+              <a:t>2020/5/13</a:t>
             </a:fld>
             <a:endParaRPr lang="zh-TW" altLang="en-US"/>
           </a:p>
@@ -4468,7 +4468,7 @@
             <a:fld id="{A4F910E6-8D00-4BAF-8C48-9688E0B449D3}" type="datetime1">
               <a:rPr lang="zh-TW" altLang="en-US" smtClean="0"/>
               <a:pPr/>
-              <a:t>2020/5/12</a:t>
+              <a:t>2020/5/13</a:t>
             </a:fld>
             <a:endParaRPr lang="zh-TW" altLang="en-US"/>
           </a:p>
@@ -4622,7 +4622,7 @@
             <a:fld id="{C389EDC9-19E3-47AC-9C57-C6A24DEA81AD}" type="datetime1">
               <a:rPr lang="zh-TW" altLang="en-US" smtClean="0"/>
               <a:pPr/>
-              <a:t>2020/5/12</a:t>
+              <a:t>2020/5/13</a:t>
             </a:fld>
             <a:endParaRPr lang="zh-TW" altLang="en-US"/>
           </a:p>
@@ -5113,7 +5113,7 @@
             <a:fld id="{A4F910E6-8D00-4BAF-8C48-9688E0B449D3}" type="datetime1">
               <a:rPr lang="zh-TW" altLang="en-US" smtClean="0"/>
               <a:pPr/>
-              <a:t>2020/5/12</a:t>
+              <a:t>2020/5/13</a:t>
             </a:fld>
             <a:endParaRPr lang="zh-TW" altLang="en-US"/>
           </a:p>
@@ -5397,7 +5397,7 @@
             <a:fld id="{A4F910E6-8D00-4BAF-8C48-9688E0B449D3}" type="datetime1">
               <a:rPr lang="zh-TW" altLang="en-US" smtClean="0"/>
               <a:pPr/>
-              <a:t>2020/5/12</a:t>
+              <a:t>2020/5/13</a:t>
             </a:fld>
             <a:endParaRPr lang="zh-TW" altLang="en-US"/>
           </a:p>
@@ -5751,7 +5751,7 @@
             <a:fld id="{A4F910E6-8D00-4BAF-8C48-9688E0B449D3}" type="datetime1">
               <a:rPr lang="zh-TW" altLang="en-US" smtClean="0"/>
               <a:pPr/>
-              <a:t>2020/5/12</a:t>
+              <a:t>2020/5/13</a:t>
             </a:fld>
             <a:endParaRPr lang="zh-TW" altLang="en-US"/>
           </a:p>
@@ -6679,7 +6679,7 @@
             <a:fld id="{A4F910E6-8D00-4BAF-8C48-9688E0B449D3}" type="datetime1">
               <a:rPr lang="zh-TW" altLang="en-US" smtClean="0"/>
               <a:pPr/>
-              <a:t>2020/5/12</a:t>
+              <a:t>2020/5/13</a:t>
             </a:fld>
             <a:endParaRPr lang="zh-TW" altLang="en-US"/>
           </a:p>
@@ -7117,7 +7117,7 @@
             <a:fld id="{4E46BE27-E923-4EC2-B046-3272AE2A3E5C}" type="datetime1">
               <a:rPr lang="zh-TW" altLang="en-US" smtClean="0"/>
               <a:pPr/>
-              <a:t>2020/5/12</a:t>
+              <a:t>2020/5/13</a:t>
             </a:fld>
             <a:endParaRPr lang="zh-TW" altLang="en-US"/>
           </a:p>
@@ -7250,7 +7250,7 @@
         <p:spPr>
           <a:xfrm>
             <a:off x="467544" y="1268760"/>
-            <a:ext cx="8352928" cy="720080"/>
+            <a:ext cx="8352928" cy="1368152"/>
           </a:xfrm>
           <a:ln>
             <a:solidFill>
@@ -7328,12 +7328,15 @@
               <a:buFont typeface="Wingdings" pitchFamily="2" charset="2"/>
               <a:buChar char="u"/>
             </a:pPr>
-            <a:endParaRPr lang="en-US" sz="1800" dirty="0">
-              <a:solidFill>
-                <a:schemeClr val="tx1"/>
-              </a:solidFill>
-              <a:latin typeface="+mj-lt"/>
-            </a:endParaRPr>
+            <a:r>
+              <a:rPr lang="en-US" sz="1800" dirty="0">
+                <a:solidFill>
+                  <a:schemeClr val="tx1"/>
+                </a:solidFill>
+                <a:latin typeface="+mj-lt"/>
+              </a:rPr>
+              <a:t>Use Titanic data for training and prediction based on features (sex, class, deck, embark town, and alone).</a:t>
+            </a:r>
           </a:p>
           <a:p>
             <a:pPr marL="342900" indent="-342900" algn="l">
@@ -7496,7 +7499,7 @@
             <a:fld id="{A4F910E6-8D00-4BAF-8C48-9688E0B449D3}" type="datetime1">
               <a:rPr lang="zh-TW" altLang="en-US" smtClean="0"/>
               <a:pPr/>
-              <a:t>2020/5/12</a:t>
+              <a:t>2020/5/13</a:t>
             </a:fld>
             <a:endParaRPr lang="zh-TW" altLang="en-US"/>
           </a:p>
@@ -7704,7 +7707,7 @@
             <a:fld id="{C389EDC9-19E3-47AC-9C57-C6A24DEA81AD}" type="datetime1">
               <a:rPr lang="zh-TW" altLang="en-US" smtClean="0"/>
               <a:pPr/>
-              <a:t>2020/5/12</a:t>
+              <a:t>2020/5/13</a:t>
             </a:fld>
             <a:endParaRPr lang="zh-TW" altLang="en-US"/>
           </a:p>
@@ -8000,7 +8003,7 @@
             <a:fld id="{A4F910E6-8D00-4BAF-8C48-9688E0B449D3}" type="datetime1">
               <a:rPr lang="zh-TW" altLang="en-US" smtClean="0"/>
               <a:pPr/>
-              <a:t>2020/5/12</a:t>
+              <a:t>2020/5/13</a:t>
             </a:fld>
             <a:endParaRPr lang="zh-TW" altLang="en-US"/>
           </a:p>
@@ -8301,7 +8304,7 @@
             <a:fld id="{A4F910E6-8D00-4BAF-8C48-9688E0B449D3}" type="datetime1">
               <a:rPr lang="zh-TW" altLang="en-US" smtClean="0"/>
               <a:pPr/>
-              <a:t>2020/5/12</a:t>
+              <a:t>2020/5/13</a:t>
             </a:fld>
             <a:endParaRPr lang="zh-TW" altLang="en-US"/>
           </a:p>
@@ -8490,7 +8493,7 @@
             <a:fld id="{C389EDC9-19E3-47AC-9C57-C6A24DEA81AD}" type="datetime1">
               <a:rPr lang="zh-TW" altLang="en-US" smtClean="0"/>
               <a:pPr/>
-              <a:t>2020/5/12</a:t>
+              <a:t>2020/5/13</a:t>
             </a:fld>
             <a:endParaRPr lang="zh-TW" altLang="en-US"/>
           </a:p>
@@ -8786,7 +8789,7 @@
             <a:fld id="{A4F910E6-8D00-4BAF-8C48-9688E0B449D3}" type="datetime1">
               <a:rPr lang="zh-TW" altLang="en-US" smtClean="0"/>
               <a:pPr/>
-              <a:t>2020/5/12</a:t>
+              <a:t>2020/5/13</a:t>
             </a:fld>
             <a:endParaRPr lang="zh-TW" altLang="en-US"/>
           </a:p>
@@ -9377,7 +9380,7 @@
             <a:fld id="{A4F910E6-8D00-4BAF-8C48-9688E0B449D3}" type="datetime1">
               <a:rPr lang="zh-TW" altLang="en-US" smtClean="0"/>
               <a:pPr/>
-              <a:t>2020/5/12</a:t>
+              <a:t>2020/5/13</a:t>
             </a:fld>
             <a:endParaRPr lang="zh-TW" altLang="en-US"/>
           </a:p>
@@ -9714,7 +9717,7 @@
             <a:fld id="{A4F910E6-8D00-4BAF-8C48-9688E0B449D3}" type="datetime1">
               <a:rPr lang="zh-TW" altLang="en-US" smtClean="0"/>
               <a:pPr/>
-              <a:t>2020/5/12</a:t>
+              <a:t>2020/5/13</a:t>
             </a:fld>
             <a:endParaRPr lang="zh-TW" altLang="en-US"/>
           </a:p>
